--- a/ActiveNet Trainer/Courses/ActiveNet Orientation - Customers/Customers Policy and Procedures.pptx
+++ b/ActiveNet Trainer/Courses/ActiveNet Orientation - Customers/Customers Policy and Procedures.pptx
@@ -246,7 +246,7 @@
           <a:p>
             <a:fld id="{8472C7DE-940F-F84D-87FC-CB6C77FFB87A}" type="datetimeFigureOut">
               <a:rPr lang="en-US" smtClean="0"/>
-              <a:t>12/21/16</a:t>
+              <a:t>12/22/16</a:t>
             </a:fld>
             <a:endParaRPr lang="en-US"/>
           </a:p>
@@ -416,7 +416,7 @@
           <a:p>
             <a:fld id="{8472C7DE-940F-F84D-87FC-CB6C77FFB87A}" type="datetimeFigureOut">
               <a:rPr lang="en-US" smtClean="0"/>
-              <a:t>12/21/16</a:t>
+              <a:t>12/22/16</a:t>
             </a:fld>
             <a:endParaRPr lang="en-US"/>
           </a:p>
@@ -596,7 +596,7 @@
           <a:p>
             <a:fld id="{8472C7DE-940F-F84D-87FC-CB6C77FFB87A}" type="datetimeFigureOut">
               <a:rPr lang="en-US" smtClean="0"/>
-              <a:t>12/21/16</a:t>
+              <a:t>12/22/16</a:t>
             </a:fld>
             <a:endParaRPr lang="en-US"/>
           </a:p>
@@ -766,7 +766,7 @@
           <a:p>
             <a:fld id="{8472C7DE-940F-F84D-87FC-CB6C77FFB87A}" type="datetimeFigureOut">
               <a:rPr lang="en-US" smtClean="0"/>
-              <a:t>12/21/16</a:t>
+              <a:t>12/22/16</a:t>
             </a:fld>
             <a:endParaRPr lang="en-US"/>
           </a:p>
@@ -1010,7 +1010,7 @@
           <a:p>
             <a:fld id="{8472C7DE-940F-F84D-87FC-CB6C77FFB87A}" type="datetimeFigureOut">
               <a:rPr lang="en-US" smtClean="0"/>
-              <a:t>12/21/16</a:t>
+              <a:t>12/22/16</a:t>
             </a:fld>
             <a:endParaRPr lang="en-US"/>
           </a:p>
@@ -1242,7 +1242,7 @@
           <a:p>
             <a:fld id="{8472C7DE-940F-F84D-87FC-CB6C77FFB87A}" type="datetimeFigureOut">
               <a:rPr lang="en-US" smtClean="0"/>
-              <a:t>12/21/16</a:t>
+              <a:t>12/22/16</a:t>
             </a:fld>
             <a:endParaRPr lang="en-US"/>
           </a:p>
@@ -1609,7 +1609,7 @@
           <a:p>
             <a:fld id="{8472C7DE-940F-F84D-87FC-CB6C77FFB87A}" type="datetimeFigureOut">
               <a:rPr lang="en-US" smtClean="0"/>
-              <a:t>12/21/16</a:t>
+              <a:t>12/22/16</a:t>
             </a:fld>
             <a:endParaRPr lang="en-US"/>
           </a:p>
@@ -1727,7 +1727,7 @@
           <a:p>
             <a:fld id="{8472C7DE-940F-F84D-87FC-CB6C77FFB87A}" type="datetimeFigureOut">
               <a:rPr lang="en-US" smtClean="0"/>
-              <a:t>12/21/16</a:t>
+              <a:t>12/22/16</a:t>
             </a:fld>
             <a:endParaRPr lang="en-US"/>
           </a:p>
@@ -1822,7 +1822,7 @@
           <a:p>
             <a:fld id="{8472C7DE-940F-F84D-87FC-CB6C77FFB87A}" type="datetimeFigureOut">
               <a:rPr lang="en-US" smtClean="0"/>
-              <a:t>12/21/16</a:t>
+              <a:t>12/22/16</a:t>
             </a:fld>
             <a:endParaRPr lang="en-US"/>
           </a:p>
@@ -2099,7 +2099,7 @@
           <a:p>
             <a:fld id="{8472C7DE-940F-F84D-87FC-CB6C77FFB87A}" type="datetimeFigureOut">
               <a:rPr lang="en-US" smtClean="0"/>
-              <a:t>12/21/16</a:t>
+              <a:t>12/22/16</a:t>
             </a:fld>
             <a:endParaRPr lang="en-US"/>
           </a:p>
@@ -2356,7 +2356,7 @@
           <a:p>
             <a:fld id="{8472C7DE-940F-F84D-87FC-CB6C77FFB87A}" type="datetimeFigureOut">
               <a:rPr lang="en-US" smtClean="0"/>
-              <a:t>12/21/16</a:t>
+              <a:t>12/22/16</a:t>
             </a:fld>
             <a:endParaRPr lang="en-US"/>
           </a:p>
@@ -2569,7 +2569,7 @@
           <a:p>
             <a:fld id="{8472C7DE-940F-F84D-87FC-CB6C77FFB87A}" type="datetimeFigureOut">
               <a:rPr lang="en-US" smtClean="0"/>
-              <a:t>12/21/16</a:t>
+              <a:t>12/22/16</a:t>
             </a:fld>
             <a:endParaRPr lang="en-US"/>
           </a:p>
@@ -4009,9 +4009,9 @@
         <p:grpSpPr>
           <a:xfrm>
             <a:off x="548638" y="1975877"/>
-            <a:ext cx="3804385" cy="1182468"/>
+            <a:ext cx="3804385" cy="1381066"/>
             <a:chOff x="298383" y="2088682"/>
-            <a:chExt cx="3080084" cy="1182468"/>
+            <a:chExt cx="3080084" cy="1381066"/>
           </a:xfrm>
         </p:grpSpPr>
         <p:sp>
@@ -4080,7 +4080,7 @@
           <p:spPr>
             <a:xfrm>
               <a:off x="298383" y="2454441"/>
-              <a:ext cx="3080084" cy="816709"/>
+              <a:ext cx="3080084" cy="1015307"/>
             </a:xfrm>
             <a:prstGeom prst="rect">
               <a:avLst/>
@@ -4118,7 +4118,23 @@
                     <a:schemeClr val="tx1"/>
                   </a:solidFill>
                 </a:rPr>
-                <a:t>Our client’s data is important to us. More importantly, it is important to us. To reduce the risk of identity theft, and to avoid unwanted duplication of accounts, only clients should create accounts by visiting </a:t>
+                <a:t>Our client’s data is important to us. More importantly, it is important to us. To reduce the risk of identity theft, and to avoid unwanted duplication of accounts, </a:t>
+              </a:r>
+              <a:r>
+                <a:rPr lang="en-US" sz="1200" dirty="0" smtClean="0">
+                  <a:solidFill>
+                    <a:schemeClr val="tx1"/>
+                  </a:solidFill>
+                </a:rPr>
+                <a:t>we should strongly encourage our clients to create an account by </a:t>
+              </a:r>
+              <a:r>
+                <a:rPr lang="en-US" sz="1200" dirty="0" smtClean="0">
+                  <a:solidFill>
+                    <a:schemeClr val="tx1"/>
+                  </a:solidFill>
+                </a:rPr>
+                <a:t>visiting </a:t>
               </a:r>
               <a:r>
                 <a:rPr lang="en-US" sz="1200" dirty="0" smtClean="0">
@@ -4153,10 +4169,10 @@
         </p:nvGrpSpPr>
         <p:grpSpPr>
           <a:xfrm>
-            <a:off x="543224" y="3185424"/>
-            <a:ext cx="3804384" cy="2436899"/>
-            <a:chOff x="298383" y="2088682"/>
-            <a:chExt cx="3080084" cy="2436899"/>
+            <a:off x="543224" y="3316049"/>
+            <a:ext cx="3804384" cy="2401274"/>
+            <a:chOff x="298383" y="2124307"/>
+            <a:chExt cx="3080084" cy="2401274"/>
           </a:xfrm>
         </p:grpSpPr>
         <p:sp>
@@ -4167,15 +4183,13 @@
           </p:nvSpPr>
           <p:spPr>
             <a:xfrm>
-              <a:off x="298383" y="2088682"/>
+              <a:off x="298383" y="2124307"/>
               <a:ext cx="3080084" cy="365760"/>
             </a:xfrm>
             <a:prstGeom prst="rect">
               <a:avLst/>
             </a:prstGeom>
-            <a:solidFill>
-              <a:schemeClr val="bg1"/>
-            </a:solidFill>
+            <a:noFill/>
             <a:ln>
               <a:noFill/>
             </a:ln>
@@ -4230,9 +4244,7 @@
             <a:prstGeom prst="rect">
               <a:avLst/>
             </a:prstGeom>
-            <a:solidFill>
-              <a:schemeClr val="bg1"/>
-            </a:solidFill>
+            <a:noFill/>
             <a:ln>
               <a:noFill/>
             </a:ln>
@@ -4263,8 +4275,21 @@
                     <a:schemeClr val="tx1"/>
                   </a:solidFill>
                 </a:rPr>
-                <a:t>Families are a way that we keep our client’s account information together. If a parent/spouse already has a primary account, you may add family members by first searching the system to verify their existing account. After verifying the account, you may add the new family member to the system. Only create a new customer upon valid verification (proof of same address/ last name).</a:t>
+                <a:t>Families are a way that we keep our client’s account information together. If a parent/spouse already has a primary account, you may add family members by first searching the system to verify their existing account. After verifying the account, you may add the new family member to the system. </a:t>
               </a:r>
+              <a:r>
+                <a:rPr lang="en-US" sz="1200" dirty="0" smtClean="0">
+                  <a:solidFill>
+                    <a:schemeClr val="tx1"/>
+                  </a:solidFill>
+                </a:rPr>
+                <a:t>Note that clients over 18, or with a different address, should be placed on a new account.</a:t>
+              </a:r>
+              <a:endParaRPr lang="en-US" sz="1200" dirty="0" smtClean="0">
+                <a:solidFill>
+                  <a:schemeClr val="tx1"/>
+                </a:solidFill>
+              </a:endParaRPr>
             </a:p>
             <a:p>
               <a:endParaRPr lang="en-US" sz="600" dirty="0">
@@ -4462,10 +4487,10 @@
         </p:nvGrpSpPr>
         <p:grpSpPr>
           <a:xfrm>
-            <a:off x="4781349" y="3958410"/>
-            <a:ext cx="3804385" cy="1182468"/>
-            <a:chOff x="298383" y="2088682"/>
-            <a:chExt cx="3080084" cy="1182468"/>
+            <a:off x="4781349" y="3922785"/>
+            <a:ext cx="3804385" cy="1146843"/>
+            <a:chOff x="298383" y="2124307"/>
+            <a:chExt cx="3080084" cy="1146843"/>
           </a:xfrm>
         </p:grpSpPr>
         <p:sp>
@@ -4476,7 +4501,7 @@
           </p:nvSpPr>
           <p:spPr>
             <a:xfrm>
-              <a:off x="298383" y="2088682"/>
+              <a:off x="298383" y="2124307"/>
               <a:ext cx="3080084" cy="365760"/>
             </a:xfrm>
             <a:prstGeom prst="rect">

--- a/ActiveNet Trainer/Courses/ActiveNet Orientation - Customers/Customers Policy and Procedures.pptx
+++ b/ActiveNet Trainer/Courses/ActiveNet Orientation - Customers/Customers Policy and Procedures.pptx
@@ -4608,6 +4608,161 @@
           </p:txBody>
         </p:sp>
       </p:grpSp>
+      <p:sp>
+        <p:nvSpPr>
+          <p:cNvPr id="20" name="Rounded Rectangle 19">
+            <a:hlinkClick r:id="rId5" action="ppaction://hlinksldjump"/>
+          </p:cNvPr>
+          <p:cNvSpPr/>
+          <p:nvPr/>
+        </p:nvSpPr>
+        <p:spPr>
+          <a:xfrm>
+            <a:off x="3950208" y="5989320"/>
+            <a:ext cx="1230482" cy="457999"/>
+          </a:xfrm>
+          <a:prstGeom prst="roundRect">
+            <a:avLst/>
+          </a:prstGeom>
+          <a:solidFill>
+            <a:srgbClr val="195896"/>
+          </a:solidFill>
+          <a:ln w="28575">
+            <a:solidFill>
+              <a:srgbClr val="FFE374"/>
+            </a:solidFill>
+          </a:ln>
+          <a:effectLst>
+            <a:outerShdw blurRad="50800" dist="25400" dir="5400000" algn="ctr" rotWithShape="0">
+              <a:schemeClr val="tx2">
+                <a:lumMod val="75000"/>
+              </a:schemeClr>
+            </a:outerShdw>
+          </a:effectLst>
+        </p:spPr>
+        <p:style>
+          <a:lnRef idx="2">
+            <a:schemeClr val="accent1">
+              <a:shade val="50000"/>
+            </a:schemeClr>
+          </a:lnRef>
+          <a:fillRef idx="1">
+            <a:schemeClr val="accent1"/>
+          </a:fillRef>
+          <a:effectRef idx="0">
+            <a:schemeClr val="accent1"/>
+          </a:effectRef>
+          <a:fontRef idx="minor">
+            <a:schemeClr val="lt1"/>
+          </a:fontRef>
+        </p:style>
+        <p:txBody>
+          <a:bodyPr rtlCol="0" anchor="ctr"/>
+          <a:lstStyle>
+            <a:defPPr>
+              <a:defRPr lang="en-US"/>
+            </a:defPPr>
+            <a:lvl1pPr marL="0" algn="l" defTabSz="914400" rtl="0" eaLnBrk="1" latinLnBrk="0" hangingPunct="1">
+              <a:defRPr sz="1800" kern="1200">
+                <a:solidFill>
+                  <a:schemeClr val="lt1"/>
+                </a:solidFill>
+                <a:latin typeface="+mn-lt"/>
+                <a:ea typeface="+mn-ea"/>
+                <a:cs typeface="+mn-cs"/>
+              </a:defRPr>
+            </a:lvl1pPr>
+            <a:lvl2pPr marL="457200" algn="l" defTabSz="914400" rtl="0" eaLnBrk="1" latinLnBrk="0" hangingPunct="1">
+              <a:defRPr sz="1800" kern="1200">
+                <a:solidFill>
+                  <a:schemeClr val="lt1"/>
+                </a:solidFill>
+                <a:latin typeface="+mn-lt"/>
+                <a:ea typeface="+mn-ea"/>
+                <a:cs typeface="+mn-cs"/>
+              </a:defRPr>
+            </a:lvl2pPr>
+            <a:lvl3pPr marL="914400" algn="l" defTabSz="914400" rtl="0" eaLnBrk="1" latinLnBrk="0" hangingPunct="1">
+              <a:defRPr sz="1800" kern="1200">
+                <a:solidFill>
+                  <a:schemeClr val="lt1"/>
+                </a:solidFill>
+                <a:latin typeface="+mn-lt"/>
+                <a:ea typeface="+mn-ea"/>
+                <a:cs typeface="+mn-cs"/>
+              </a:defRPr>
+            </a:lvl3pPr>
+            <a:lvl4pPr marL="1371600" algn="l" defTabSz="914400" rtl="0" eaLnBrk="1" latinLnBrk="0" hangingPunct="1">
+              <a:defRPr sz="1800" kern="1200">
+                <a:solidFill>
+                  <a:schemeClr val="lt1"/>
+                </a:solidFill>
+                <a:latin typeface="+mn-lt"/>
+                <a:ea typeface="+mn-ea"/>
+                <a:cs typeface="+mn-cs"/>
+              </a:defRPr>
+            </a:lvl4pPr>
+            <a:lvl5pPr marL="1828800" algn="l" defTabSz="914400" rtl="0" eaLnBrk="1" latinLnBrk="0" hangingPunct="1">
+              <a:defRPr sz="1800" kern="1200">
+                <a:solidFill>
+                  <a:schemeClr val="lt1"/>
+                </a:solidFill>
+                <a:latin typeface="+mn-lt"/>
+                <a:ea typeface="+mn-ea"/>
+                <a:cs typeface="+mn-cs"/>
+              </a:defRPr>
+            </a:lvl5pPr>
+            <a:lvl6pPr marL="2286000" algn="l" defTabSz="914400" rtl="0" eaLnBrk="1" latinLnBrk="0" hangingPunct="1">
+              <a:defRPr sz="1800" kern="1200">
+                <a:solidFill>
+                  <a:schemeClr val="lt1"/>
+                </a:solidFill>
+                <a:latin typeface="+mn-lt"/>
+                <a:ea typeface="+mn-ea"/>
+                <a:cs typeface="+mn-cs"/>
+              </a:defRPr>
+            </a:lvl6pPr>
+            <a:lvl7pPr marL="2743200" algn="l" defTabSz="914400" rtl="0" eaLnBrk="1" latinLnBrk="0" hangingPunct="1">
+              <a:defRPr sz="1800" kern="1200">
+                <a:solidFill>
+                  <a:schemeClr val="lt1"/>
+                </a:solidFill>
+                <a:latin typeface="+mn-lt"/>
+                <a:ea typeface="+mn-ea"/>
+                <a:cs typeface="+mn-cs"/>
+              </a:defRPr>
+            </a:lvl7pPr>
+            <a:lvl8pPr marL="3200400" algn="l" defTabSz="914400" rtl="0" eaLnBrk="1" latinLnBrk="0" hangingPunct="1">
+              <a:defRPr sz="1800" kern="1200">
+                <a:solidFill>
+                  <a:schemeClr val="lt1"/>
+                </a:solidFill>
+                <a:latin typeface="+mn-lt"/>
+                <a:ea typeface="+mn-ea"/>
+                <a:cs typeface="+mn-cs"/>
+              </a:defRPr>
+            </a:lvl8pPr>
+            <a:lvl9pPr marL="3657600" algn="l" defTabSz="914400" rtl="0" eaLnBrk="1" latinLnBrk="0" hangingPunct="1">
+              <a:defRPr sz="1800" kern="1200">
+                <a:solidFill>
+                  <a:schemeClr val="lt1"/>
+                </a:solidFill>
+                <a:latin typeface="+mn-lt"/>
+                <a:ea typeface="+mn-ea"/>
+                <a:cs typeface="+mn-cs"/>
+              </a:defRPr>
+            </a:lvl9pPr>
+          </a:lstStyle>
+          <a:p>
+            <a:pPr algn="ctr"/>
+            <a:r>
+              <a:rPr lang="en-US" dirty="0" smtClean="0"/>
+              <a:t>Finish</a:t>
+            </a:r>
+            <a:endParaRPr lang="en-US" dirty="0"/>
+          </a:p>
+        </p:txBody>
+      </p:sp>
     </p:spTree>
     <p:extLst>
       <p:ext uri="{BB962C8B-B14F-4D97-AF65-F5344CB8AC3E}">

--- a/ActiveNet Trainer/Courses/ActiveNet Orientation - Customers/Customers Policy and Procedures.pptx
+++ b/ActiveNet Trainer/Courses/ActiveNet Orientation - Customers/Customers Policy and Procedures.pptx
@@ -246,7 +246,7 @@
           <a:p>
             <a:fld id="{8472C7DE-940F-F84D-87FC-CB6C77FFB87A}" type="datetimeFigureOut">
               <a:rPr lang="en-US" smtClean="0"/>
-              <a:t>12/22/16</a:t>
+              <a:t>12/21/2016</a:t>
             </a:fld>
             <a:endParaRPr lang="en-US"/>
           </a:p>
@@ -416,7 +416,7 @@
           <a:p>
             <a:fld id="{8472C7DE-940F-F84D-87FC-CB6C77FFB87A}" type="datetimeFigureOut">
               <a:rPr lang="en-US" smtClean="0"/>
-              <a:t>12/22/16</a:t>
+              <a:t>12/21/2016</a:t>
             </a:fld>
             <a:endParaRPr lang="en-US"/>
           </a:p>
@@ -596,7 +596,7 @@
           <a:p>
             <a:fld id="{8472C7DE-940F-F84D-87FC-CB6C77FFB87A}" type="datetimeFigureOut">
               <a:rPr lang="en-US" smtClean="0"/>
-              <a:t>12/22/16</a:t>
+              <a:t>12/21/2016</a:t>
             </a:fld>
             <a:endParaRPr lang="en-US"/>
           </a:p>
@@ -766,7 +766,7 @@
           <a:p>
             <a:fld id="{8472C7DE-940F-F84D-87FC-CB6C77FFB87A}" type="datetimeFigureOut">
               <a:rPr lang="en-US" smtClean="0"/>
-              <a:t>12/22/16</a:t>
+              <a:t>12/21/2016</a:t>
             </a:fld>
             <a:endParaRPr lang="en-US"/>
           </a:p>
@@ -1010,7 +1010,7 @@
           <a:p>
             <a:fld id="{8472C7DE-940F-F84D-87FC-CB6C77FFB87A}" type="datetimeFigureOut">
               <a:rPr lang="en-US" smtClean="0"/>
-              <a:t>12/22/16</a:t>
+              <a:t>12/21/2016</a:t>
             </a:fld>
             <a:endParaRPr lang="en-US"/>
           </a:p>
@@ -1242,7 +1242,7 @@
           <a:p>
             <a:fld id="{8472C7DE-940F-F84D-87FC-CB6C77FFB87A}" type="datetimeFigureOut">
               <a:rPr lang="en-US" smtClean="0"/>
-              <a:t>12/22/16</a:t>
+              <a:t>12/21/2016</a:t>
             </a:fld>
             <a:endParaRPr lang="en-US"/>
           </a:p>
@@ -1609,7 +1609,7 @@
           <a:p>
             <a:fld id="{8472C7DE-940F-F84D-87FC-CB6C77FFB87A}" type="datetimeFigureOut">
               <a:rPr lang="en-US" smtClean="0"/>
-              <a:t>12/22/16</a:t>
+              <a:t>12/21/2016</a:t>
             </a:fld>
             <a:endParaRPr lang="en-US"/>
           </a:p>
@@ -1727,7 +1727,7 @@
           <a:p>
             <a:fld id="{8472C7DE-940F-F84D-87FC-CB6C77FFB87A}" type="datetimeFigureOut">
               <a:rPr lang="en-US" smtClean="0"/>
-              <a:t>12/22/16</a:t>
+              <a:t>12/21/2016</a:t>
             </a:fld>
             <a:endParaRPr lang="en-US"/>
           </a:p>
@@ -1822,7 +1822,7 @@
           <a:p>
             <a:fld id="{8472C7DE-940F-F84D-87FC-CB6C77FFB87A}" type="datetimeFigureOut">
               <a:rPr lang="en-US" smtClean="0"/>
-              <a:t>12/22/16</a:t>
+              <a:t>12/21/2016</a:t>
             </a:fld>
             <a:endParaRPr lang="en-US"/>
           </a:p>
@@ -2099,7 +2099,7 @@
           <a:p>
             <a:fld id="{8472C7DE-940F-F84D-87FC-CB6C77FFB87A}" type="datetimeFigureOut">
               <a:rPr lang="en-US" smtClean="0"/>
-              <a:t>12/22/16</a:t>
+              <a:t>12/21/2016</a:t>
             </a:fld>
             <a:endParaRPr lang="en-US"/>
           </a:p>
@@ -2356,7 +2356,7 @@
           <a:p>
             <a:fld id="{8472C7DE-940F-F84D-87FC-CB6C77FFB87A}" type="datetimeFigureOut">
               <a:rPr lang="en-US" smtClean="0"/>
-              <a:t>12/22/16</a:t>
+              <a:t>12/21/2016</a:t>
             </a:fld>
             <a:endParaRPr lang="en-US"/>
           </a:p>
@@ -2569,7 +2569,7 @@
           <a:p>
             <a:fld id="{8472C7DE-940F-F84D-87FC-CB6C77FFB87A}" type="datetimeFigureOut">
               <a:rPr lang="en-US" smtClean="0"/>
-              <a:t>12/22/16</a:t>
+              <a:t>12/21/2016</a:t>
             </a:fld>
             <a:endParaRPr lang="en-US"/>
           </a:p>
@@ -4009,9 +4009,9 @@
         <p:grpSpPr>
           <a:xfrm>
             <a:off x="548638" y="1975877"/>
-            <a:ext cx="3804385" cy="1381066"/>
+            <a:ext cx="3804385" cy="1182468"/>
             <a:chOff x="298383" y="2088682"/>
-            <a:chExt cx="3080084" cy="1381066"/>
+            <a:chExt cx="3080084" cy="1182468"/>
           </a:xfrm>
         </p:grpSpPr>
         <p:sp>
@@ -4080,7 +4080,7 @@
           <p:spPr>
             <a:xfrm>
               <a:off x="298383" y="2454441"/>
-              <a:ext cx="3080084" cy="1015307"/>
+              <a:ext cx="3080084" cy="816709"/>
             </a:xfrm>
             <a:prstGeom prst="rect">
               <a:avLst/>
@@ -4118,23 +4118,7 @@
                     <a:schemeClr val="tx1"/>
                   </a:solidFill>
                 </a:rPr>
-                <a:t>Our client’s data is important to us. More importantly, it is important to us. To reduce the risk of identity theft, and to avoid unwanted duplication of accounts, </a:t>
-              </a:r>
-              <a:r>
-                <a:rPr lang="en-US" sz="1200" dirty="0" smtClean="0">
-                  <a:solidFill>
-                    <a:schemeClr val="tx1"/>
-                  </a:solidFill>
-                </a:rPr>
-                <a:t>we should strongly encourage our clients to create an account by </a:t>
-              </a:r>
-              <a:r>
-                <a:rPr lang="en-US" sz="1200" dirty="0" smtClean="0">
-                  <a:solidFill>
-                    <a:schemeClr val="tx1"/>
-                  </a:solidFill>
-                </a:rPr>
-                <a:t>visiting </a:t>
+                <a:t>Our client’s data is important to us. More importantly, it is important to us. To reduce the risk of identity theft, and to avoid unwanted duplication of accounts, only clients should create accounts by visiting </a:t>
               </a:r>
               <a:r>
                 <a:rPr lang="en-US" sz="1200" dirty="0" smtClean="0">
@@ -4169,10 +4153,10 @@
         </p:nvGrpSpPr>
         <p:grpSpPr>
           <a:xfrm>
-            <a:off x="543224" y="3316049"/>
-            <a:ext cx="3804384" cy="2401274"/>
-            <a:chOff x="298383" y="2124307"/>
-            <a:chExt cx="3080084" cy="2401274"/>
+            <a:off x="543224" y="3185424"/>
+            <a:ext cx="3804384" cy="2436899"/>
+            <a:chOff x="298383" y="2088682"/>
+            <a:chExt cx="3080084" cy="2436899"/>
           </a:xfrm>
         </p:grpSpPr>
         <p:sp>
@@ -4183,13 +4167,15 @@
           </p:nvSpPr>
           <p:spPr>
             <a:xfrm>
-              <a:off x="298383" y="2124307"/>
+              <a:off x="298383" y="2088682"/>
               <a:ext cx="3080084" cy="365760"/>
             </a:xfrm>
             <a:prstGeom prst="rect">
               <a:avLst/>
             </a:prstGeom>
-            <a:noFill/>
+            <a:solidFill>
+              <a:schemeClr val="bg1"/>
+            </a:solidFill>
             <a:ln>
               <a:noFill/>
             </a:ln>
@@ -4244,7 +4230,9 @@
             <a:prstGeom prst="rect">
               <a:avLst/>
             </a:prstGeom>
-            <a:noFill/>
+            <a:solidFill>
+              <a:schemeClr val="bg1"/>
+            </a:solidFill>
             <a:ln>
               <a:noFill/>
             </a:ln>
@@ -4275,21 +4263,8 @@
                     <a:schemeClr val="tx1"/>
                   </a:solidFill>
                 </a:rPr>
-                <a:t>Families are a way that we keep our client’s account information together. If a parent/spouse already has a primary account, you may add family members by first searching the system to verify their existing account. After verifying the account, you may add the new family member to the system. </a:t>
+                <a:t>Families are a way that we keep our client’s account information together. If a parent/spouse already has a primary account, you may add family members by first searching the system to verify their existing account. After verifying the account, you may add the new family member to the system. Only create a new customer upon valid verification (proof of same address/ last name).</a:t>
               </a:r>
-              <a:r>
-                <a:rPr lang="en-US" sz="1200" dirty="0" smtClean="0">
-                  <a:solidFill>
-                    <a:schemeClr val="tx1"/>
-                  </a:solidFill>
-                </a:rPr>
-                <a:t>Note that clients over 18, or with a different address, should be placed on a new account.</a:t>
-              </a:r>
-              <a:endParaRPr lang="en-US" sz="1200" dirty="0" smtClean="0">
-                <a:solidFill>
-                  <a:schemeClr val="tx1"/>
-                </a:solidFill>
-              </a:endParaRPr>
             </a:p>
             <a:p>
               <a:endParaRPr lang="en-US" sz="600" dirty="0">
@@ -4487,10 +4462,10 @@
         </p:nvGrpSpPr>
         <p:grpSpPr>
           <a:xfrm>
-            <a:off x="4781349" y="3922785"/>
-            <a:ext cx="3804385" cy="1146843"/>
-            <a:chOff x="298383" y="2124307"/>
-            <a:chExt cx="3080084" cy="1146843"/>
+            <a:off x="4781349" y="3958410"/>
+            <a:ext cx="3804385" cy="1182468"/>
+            <a:chOff x="298383" y="2088682"/>
+            <a:chExt cx="3080084" cy="1182468"/>
           </a:xfrm>
         </p:grpSpPr>
         <p:sp>
@@ -4501,7 +4476,7 @@
           </p:nvSpPr>
           <p:spPr>
             <a:xfrm>
-              <a:off x="298383" y="2124307"/>
+              <a:off x="298383" y="2088682"/>
               <a:ext cx="3080084" cy="365760"/>
             </a:xfrm>
             <a:prstGeom prst="rect">

--- a/ActiveNet Trainer/Courses/ActiveNet Orientation - Customers/Customers Policy and Procedures.pptx
+++ b/ActiveNet Trainer/Courses/ActiveNet Orientation - Customers/Customers Policy and Procedures.pptx
@@ -246,7 +246,7 @@
           <a:p>
             <a:fld id="{8472C7DE-940F-F84D-87FC-CB6C77FFB87A}" type="datetimeFigureOut">
               <a:rPr lang="en-US" smtClean="0"/>
-              <a:t>12/21/2016</a:t>
+              <a:t>1/20/17</a:t>
             </a:fld>
             <a:endParaRPr lang="en-US"/>
           </a:p>
@@ -416,7 +416,7 @@
           <a:p>
             <a:fld id="{8472C7DE-940F-F84D-87FC-CB6C77FFB87A}" type="datetimeFigureOut">
               <a:rPr lang="en-US" smtClean="0"/>
-              <a:t>12/21/2016</a:t>
+              <a:t>1/20/17</a:t>
             </a:fld>
             <a:endParaRPr lang="en-US"/>
           </a:p>
@@ -596,7 +596,7 @@
           <a:p>
             <a:fld id="{8472C7DE-940F-F84D-87FC-CB6C77FFB87A}" type="datetimeFigureOut">
               <a:rPr lang="en-US" smtClean="0"/>
-              <a:t>12/21/2016</a:t>
+              <a:t>1/20/17</a:t>
             </a:fld>
             <a:endParaRPr lang="en-US"/>
           </a:p>
@@ -766,7 +766,7 @@
           <a:p>
             <a:fld id="{8472C7DE-940F-F84D-87FC-CB6C77FFB87A}" type="datetimeFigureOut">
               <a:rPr lang="en-US" smtClean="0"/>
-              <a:t>12/21/2016</a:t>
+              <a:t>1/20/17</a:t>
             </a:fld>
             <a:endParaRPr lang="en-US"/>
           </a:p>
@@ -1010,7 +1010,7 @@
           <a:p>
             <a:fld id="{8472C7DE-940F-F84D-87FC-CB6C77FFB87A}" type="datetimeFigureOut">
               <a:rPr lang="en-US" smtClean="0"/>
-              <a:t>12/21/2016</a:t>
+              <a:t>1/20/17</a:t>
             </a:fld>
             <a:endParaRPr lang="en-US"/>
           </a:p>
@@ -1242,7 +1242,7 @@
           <a:p>
             <a:fld id="{8472C7DE-940F-F84D-87FC-CB6C77FFB87A}" type="datetimeFigureOut">
               <a:rPr lang="en-US" smtClean="0"/>
-              <a:t>12/21/2016</a:t>
+              <a:t>1/20/17</a:t>
             </a:fld>
             <a:endParaRPr lang="en-US"/>
           </a:p>
@@ -1609,7 +1609,7 @@
           <a:p>
             <a:fld id="{8472C7DE-940F-F84D-87FC-CB6C77FFB87A}" type="datetimeFigureOut">
               <a:rPr lang="en-US" smtClean="0"/>
-              <a:t>12/21/2016</a:t>
+              <a:t>1/20/17</a:t>
             </a:fld>
             <a:endParaRPr lang="en-US"/>
           </a:p>
@@ -1727,7 +1727,7 @@
           <a:p>
             <a:fld id="{8472C7DE-940F-F84D-87FC-CB6C77FFB87A}" type="datetimeFigureOut">
               <a:rPr lang="en-US" smtClean="0"/>
-              <a:t>12/21/2016</a:t>
+              <a:t>1/20/17</a:t>
             </a:fld>
             <a:endParaRPr lang="en-US"/>
           </a:p>
@@ -1822,7 +1822,7 @@
           <a:p>
             <a:fld id="{8472C7DE-940F-F84D-87FC-CB6C77FFB87A}" type="datetimeFigureOut">
               <a:rPr lang="en-US" smtClean="0"/>
-              <a:t>12/21/2016</a:t>
+              <a:t>1/20/17</a:t>
             </a:fld>
             <a:endParaRPr lang="en-US"/>
           </a:p>
@@ -2099,7 +2099,7 @@
           <a:p>
             <a:fld id="{8472C7DE-940F-F84D-87FC-CB6C77FFB87A}" type="datetimeFigureOut">
               <a:rPr lang="en-US" smtClean="0"/>
-              <a:t>12/21/2016</a:t>
+              <a:t>1/20/17</a:t>
             </a:fld>
             <a:endParaRPr lang="en-US"/>
           </a:p>
@@ -2356,7 +2356,7 @@
           <a:p>
             <a:fld id="{8472C7DE-940F-F84D-87FC-CB6C77FFB87A}" type="datetimeFigureOut">
               <a:rPr lang="en-US" smtClean="0"/>
-              <a:t>12/21/2016</a:t>
+              <a:t>1/20/17</a:t>
             </a:fld>
             <a:endParaRPr lang="en-US"/>
           </a:p>
@@ -2569,7 +2569,7 @@
           <a:p>
             <a:fld id="{8472C7DE-940F-F84D-87FC-CB6C77FFB87A}" type="datetimeFigureOut">
               <a:rPr lang="en-US" smtClean="0"/>
-              <a:t>12/21/2016</a:t>
+              <a:t>1/20/17</a:t>
             </a:fld>
             <a:endParaRPr lang="en-US"/>
           </a:p>
@@ -4118,7 +4118,31 @@
                     <a:schemeClr val="tx1"/>
                   </a:solidFill>
                 </a:rPr>
-                <a:t>Our client’s data is important to us. More importantly, it is important to us. To reduce the risk of identity theft, and to avoid unwanted duplication of accounts, only clients should create accounts by visiting </a:t>
+                <a:t>Our client’s data is important to </a:t>
+              </a:r>
+              <a:r>
+                <a:rPr lang="en-US" sz="1200" smtClean="0">
+                  <a:solidFill>
+                    <a:schemeClr val="tx1"/>
+                  </a:solidFill>
+                </a:rPr>
+                <a:t>them</a:t>
+              </a:r>
+              <a:r>
+                <a:rPr lang="en-US" sz="1200" smtClean="0">
+                  <a:solidFill>
+                    <a:schemeClr val="tx1"/>
+                  </a:solidFill>
+                </a:rPr>
+                <a:t>. To </a:t>
+              </a:r>
+              <a:r>
+                <a:rPr lang="en-US" sz="1200" dirty="0" smtClean="0">
+                  <a:solidFill>
+                    <a:schemeClr val="tx1"/>
+                  </a:solidFill>
+                </a:rPr>
+                <a:t>reduce the risk of identity theft, and to avoid unwanted duplication of accounts, only clients should create accounts by visiting </a:t>
               </a:r>
               <a:r>
                 <a:rPr lang="en-US" sz="1200" dirty="0" smtClean="0">
